--- a/documentation/Презентація.pptx
+++ b/documentation/Презентація.pptx
@@ -129,7 +129,7 @@
             <a:srgbClr val="A4A3A4"/>
           </p15:clr>
         </p15:guide>
-        <p15:guide id="2" pos="2882" userDrawn="1">
+        <p15:guide id="2" pos="2902" userDrawn="1">
           <p15:clr>
             <a:srgbClr val="A4A3A4"/>
           </p15:clr>
@@ -3729,7 +3729,7 @@
                   <a:schemeClr val="tx1"/>
                 </a:solidFill>
               </a:rPr>
-              <a:t>в</a:t>
+              <a:t>вець</a:t>
             </a:r>
             <a:r>
               <a:rPr lang="en-US" sz="4400" dirty="0">
@@ -5331,7 +5331,7 @@
         </p:spPr>
         <p:txBody>
           <a:bodyPr>
-            <a:normAutofit fontScale="70000" lnSpcReduction="20000"/>
+            <a:normAutofit fontScale="50000"/>
           </a:bodyPr>
           <a:lstStyle/>
           <a:p>
@@ -5345,7 +5345,49 @@
                   <a:schemeClr val="tx1"/>
                 </a:solidFill>
               </a:rPr>
-              <a:t>	Vehicle – </a:t>
+              <a:t>	</a:t>
+            </a:r>
+            <a:r>
+              <a:rPr lang="en-US" altLang="en-US" dirty="0">
+                <a:solidFill>
+                  <a:schemeClr val="tx1"/>
+                </a:solidFill>
+              </a:rPr>
+              <a:t>Product / StoreItem</a:t>
+            </a:r>
+            <a:r>
+              <a:rPr lang="uk-UA" altLang="en-US" dirty="0">
+                <a:solidFill>
+                  <a:schemeClr val="tx1"/>
+                </a:solidFill>
+              </a:rPr>
+              <a:t> </a:t>
+            </a:r>
+            <a:r>
+              <a:rPr lang="en-US" dirty="0">
+                <a:solidFill>
+                  <a:schemeClr val="tx1"/>
+                </a:solidFill>
+                <a:sym typeface="+mn-ea"/>
+              </a:rPr>
+              <a:t>–</a:t>
+            </a:r>
+            <a:r>
+              <a:rPr lang="uk-UA" altLang="en-US" dirty="0">
+                <a:solidFill>
+                  <a:schemeClr val="tx1"/>
+                </a:solidFill>
+                <a:sym typeface="+mn-ea"/>
+              </a:rPr>
+              <a:t> б</a:t>
+            </a:r>
+            <a:r>
+              <a:rPr lang="en-US" altLang="en-US" dirty="0">
+                <a:solidFill>
+                  <a:schemeClr val="tx1"/>
+                </a:solidFill>
+              </a:rPr>
+              <a:t>азова сутність. Моделює одиничний товар на складі</a:t>
             </a:r>
             <a:r>
               <a:rPr lang="uk-UA" dirty="0">
@@ -5353,7 +5395,7 @@
                   <a:schemeClr val="tx1"/>
                 </a:solidFill>
               </a:rPr>
-              <a:t>абстрактний клас що представляє транспортний засіб, у якому оголошені основні методи для дочірніх класів.</a:t>
+              <a:t>.</a:t>
             </a:r>
             <a:endParaRPr lang="uk-UA" dirty="0">
               <a:solidFill>
@@ -5375,36 +5417,28 @@
               <a:t>	</a:t>
             </a:r>
             <a:r>
+              <a:rPr lang="en-US" altLang="en-US" dirty="0">
+                <a:solidFill>
+                  <a:schemeClr val="tx1"/>
+                </a:solidFill>
+              </a:rPr>
+              <a:t>StoreManager</a:t>
+            </a:r>
+            <a:r>
               <a:rPr lang="en-US" dirty="0">
                 <a:solidFill>
                   <a:schemeClr val="tx1"/>
                 </a:solidFill>
               </a:rPr>
-              <a:t>Car – </a:t>
-            </a:r>
-            <a:r>
-              <a:rPr lang="uk-UA" dirty="0">
-                <a:solidFill>
-                  <a:schemeClr val="tx1"/>
-                </a:solidFill>
-              </a:rPr>
-              <a:t>клас нащадок </a:t>
-            </a:r>
-            <a:r>
-              <a:rPr lang="en-US" dirty="0">
-                <a:solidFill>
-                  <a:schemeClr val="tx1"/>
-                </a:solidFill>
-              </a:rPr>
-              <a:t>Vehicle, </a:t>
-            </a:r>
-            <a:r>
-              <a:rPr lang="uk-UA" dirty="0">
-                <a:solidFill>
-                  <a:schemeClr val="tx1"/>
-                </a:solidFill>
-              </a:rPr>
-              <a:t>клас що представляє автомобіль.</a:t>
+              <a:t> – </a:t>
+            </a:r>
+            <a:r>
+              <a:rPr lang="en-US" altLang="en-US" dirty="0">
+                <a:solidFill>
+                  <a:schemeClr val="tx1"/>
+                </a:solidFill>
+              </a:rPr>
+              <a:t>Керування колекцією товарів. Реалізує бізнес-логіку: CRUD-операції, завантаження/збереження, пошук, сортування та фільтрація.</a:t>
             </a:r>
             <a:endParaRPr lang="uk-UA" dirty="0">
               <a:solidFill>
@@ -5426,38 +5460,54 @@
               <a:t>	</a:t>
             </a:r>
             <a:r>
+              <a:rPr lang="en-US" altLang="en-US" dirty="0">
+                <a:solidFill>
+                  <a:schemeClr val="tx1"/>
+                </a:solidFill>
+              </a:rPr>
+              <a:t>IPrintable</a:t>
+            </a:r>
+            <a:r>
               <a:rPr lang="en-US" dirty="0">
                 <a:solidFill>
                   <a:schemeClr val="tx1"/>
                 </a:solidFill>
               </a:rPr>
-              <a:t>Configuration – </a:t>
-            </a:r>
-            <a:r>
-              <a:rPr lang="uk-UA" dirty="0">
-                <a:solidFill>
-                  <a:schemeClr val="tx1"/>
-                </a:solidFill>
-              </a:rPr>
-              <a:t>клас нащадок </a:t>
-            </a:r>
-            <a:r>
-              <a:rPr lang="en-US" dirty="0">
-                <a:solidFill>
-                  <a:schemeClr val="tx1"/>
-                </a:solidFill>
-              </a:rPr>
-              <a:t>Vehicle, </a:t>
-            </a:r>
-            <a:r>
-              <a:rPr lang="uk-UA" dirty="0">
-                <a:solidFill>
-                  <a:schemeClr val="tx1"/>
-                </a:solidFill>
-              </a:rPr>
-              <a:t>який описує конфігурацію автомобілів.</a:t>
-            </a:r>
-            <a:endParaRPr lang="uk-UA" dirty="0">
+              <a:t> – </a:t>
+            </a:r>
+            <a:r>
+              <a:rPr lang="uk-UA" altLang="en-US" dirty="0">
+                <a:solidFill>
+                  <a:schemeClr val="tx1"/>
+                </a:solidFill>
+              </a:rPr>
+              <a:t>і</a:t>
+            </a:r>
+            <a:r>
+              <a:rPr lang="en-US" altLang="en-US" dirty="0">
+                <a:solidFill>
+                  <a:schemeClr val="tx1"/>
+                </a:solidFill>
+              </a:rPr>
+              <a:t>нтерфейс</a:t>
+            </a:r>
+            <a:r>
+              <a:rPr lang="uk-UA" altLang="en-US" dirty="0">
+                <a:solidFill>
+                  <a:schemeClr val="tx1"/>
+                </a:solidFill>
+              </a:rPr>
+              <a:t>, в</a:t>
+            </a:r>
+            <a:r>
+              <a:rPr lang="en-US" altLang="en-US" dirty="0">
+                <a:solidFill>
+                  <a:schemeClr val="tx1"/>
+                </a:solidFill>
+              </a:rPr>
+              <a:t>изначає контракт для поліморфного виводу та запису в БД.</a:t>
+            </a:r>
+            <a:endParaRPr lang="en-US" altLang="en-US" dirty="0">
               <a:solidFill>
                 <a:schemeClr val="tx1"/>
               </a:solidFill>
@@ -5477,12 +5527,12 @@
               <a:t>	</a:t>
             </a:r>
             <a:r>
-              <a:rPr lang="en-US" dirty="0" err="1">
-                <a:solidFill>
-                  <a:schemeClr val="tx1"/>
-                </a:solidFill>
-              </a:rPr>
-              <a:t>CarManager</a:t>
+              <a:rPr lang="en-US" altLang="en-US" dirty="0">
+                <a:solidFill>
+                  <a:schemeClr val="tx1"/>
+                </a:solidFill>
+              </a:rPr>
+              <a:t>User</a:t>
             </a:r>
             <a:r>
               <a:rPr lang="en-US" dirty="0">
@@ -5493,46 +5543,54 @@
               <a:t> – </a:t>
             </a:r>
             <a:r>
-              <a:rPr lang="uk-UA" dirty="0">
-                <a:solidFill>
-                  <a:schemeClr val="tx1"/>
-                </a:solidFill>
-              </a:rPr>
-              <a:t>клас нащадок </a:t>
-            </a:r>
-            <a:r>
-              <a:rPr lang="en-US" dirty="0">
-                <a:solidFill>
-                  <a:schemeClr val="tx1"/>
-                </a:solidFill>
-              </a:rPr>
-              <a:t>Car, </a:t>
-            </a:r>
-            <a:r>
-              <a:rPr lang="uk-UA" dirty="0">
-                <a:solidFill>
-                  <a:schemeClr val="tx1"/>
-                </a:solidFill>
-              </a:rPr>
-              <a:t>менеджер-клас для керування колекцією автомобілів. Реалізує всю бізнес-логіку програми: </a:t>
-            </a:r>
-            <a:r>
-              <a:rPr lang="en-US" dirty="0">
-                <a:solidFill>
-                  <a:schemeClr val="tx1"/>
-                </a:solidFill>
-              </a:rPr>
-              <a:t>CRUD-</a:t>
-            </a:r>
-            <a:r>
-              <a:rPr lang="uk-UA" dirty="0">
-                <a:solidFill>
-                  <a:schemeClr val="tx1"/>
-                </a:solidFill>
-              </a:rPr>
-              <a:t>операції, завантаження/збереження, пошук, сортування, фільтрацію та аналітику.</a:t>
-            </a:r>
-            <a:endParaRPr lang="uk-UA" dirty="0">
+              <a:rPr lang="uk-UA" altLang="en-US" dirty="0">
+                <a:solidFill>
+                  <a:schemeClr val="tx1"/>
+                </a:solidFill>
+              </a:rPr>
+              <a:t>б</a:t>
+            </a:r>
+            <a:r>
+              <a:rPr lang="en-US" altLang="en-US" dirty="0">
+                <a:solidFill>
+                  <a:schemeClr val="tx1"/>
+                </a:solidFill>
+              </a:rPr>
+              <a:t>азовий клас користувача</a:t>
+            </a:r>
+            <a:r>
+              <a:rPr lang="uk-UA" altLang="en-US" dirty="0">
+                <a:solidFill>
+                  <a:schemeClr val="tx1"/>
+                </a:solidFill>
+              </a:rPr>
+              <a:t>,</a:t>
+            </a:r>
+            <a:r>
+              <a:rPr lang="en-US" altLang="en-US" dirty="0">
+                <a:solidFill>
+                  <a:schemeClr val="tx1"/>
+                </a:solidFill>
+              </a:rPr>
+              <a:t> </a:t>
+            </a:r>
+            <a:r>
+              <a:rPr lang="uk-UA" altLang="en-US" dirty="0">
+                <a:solidFill>
+                  <a:schemeClr val="tx1"/>
+                </a:solidFill>
+              </a:rPr>
+              <a:t>м</a:t>
+            </a:r>
+            <a:r>
+              <a:rPr lang="en-US" altLang="en-US" dirty="0">
+                <a:solidFill>
+                  <a:schemeClr val="tx1"/>
+                </a:solidFill>
+              </a:rPr>
+              <a:t>істить загальні атрибути та, ймовірно, методи авторизації.</a:t>
+            </a:r>
+            <a:endParaRPr lang="en-US" altLang="en-US" dirty="0">
               <a:solidFill>
                 <a:schemeClr val="tx1"/>
               </a:solidFill>
@@ -5552,12 +5610,12 @@
               <a:t>	</a:t>
             </a:r>
             <a:r>
-              <a:rPr lang="en-US" dirty="0" err="1">
-                <a:solidFill>
-                  <a:schemeClr val="tx1"/>
-                </a:solidFill>
-              </a:rPr>
-              <a:t>AuthManager</a:t>
+              <a:rPr lang="en-US" altLang="en-US" dirty="0">
+                <a:solidFill>
+                  <a:schemeClr val="tx1"/>
+                </a:solidFill>
+              </a:rPr>
+              <a:t>Admin / BasicUser</a:t>
             </a:r>
             <a:r>
               <a:rPr lang="en-US" dirty="0">
@@ -5568,14 +5626,88 @@
               <a:t> – </a:t>
             </a:r>
             <a:r>
-              <a:rPr lang="uk-UA" dirty="0">
-                <a:solidFill>
-                  <a:schemeClr val="tx1"/>
-                </a:solidFill>
-              </a:rPr>
-              <a:t>клас для управління авторизаціє.</a:t>
-            </a:r>
-            <a:endParaRPr lang="uk-UA" dirty="0">
+              <a:rPr lang="uk-UA" altLang="en-US" dirty="0">
+                <a:solidFill>
+                  <a:schemeClr val="tx1"/>
+                </a:solidFill>
+              </a:rPr>
+              <a:t>к</a:t>
+            </a:r>
+            <a:r>
+              <a:rPr lang="en-US" altLang="en-US" dirty="0">
+                <a:solidFill>
+                  <a:schemeClr val="tx1"/>
+                </a:solidFill>
+              </a:rPr>
+              <a:t>атегорії користувачів</a:t>
+            </a:r>
+            <a:r>
+              <a:rPr lang="uk-UA" altLang="en-US" dirty="0">
+                <a:solidFill>
+                  <a:schemeClr val="tx1"/>
+                </a:solidFill>
+              </a:rPr>
+              <a:t>,</a:t>
+            </a:r>
+            <a:r>
+              <a:rPr lang="en-US" altLang="en-US" dirty="0">
+                <a:solidFill>
+                  <a:schemeClr val="tx1"/>
+                </a:solidFill>
+              </a:rPr>
+              <a:t> </a:t>
+            </a:r>
+            <a:r>
+              <a:rPr lang="uk-UA" altLang="en-US" dirty="0">
+                <a:solidFill>
+                  <a:schemeClr val="tx1"/>
+                </a:solidFill>
+              </a:rPr>
+              <a:t>в</a:t>
+            </a:r>
+            <a:r>
+              <a:rPr lang="en-US" altLang="en-US" dirty="0">
+                <a:solidFill>
+                  <a:schemeClr val="tx1"/>
+                </a:solidFill>
+              </a:rPr>
+              <a:t>изначають різні рівні прав доступу до функціоналу програми (наприклад, BasicUser </a:t>
+            </a:r>
+            <a:r>
+              <a:rPr lang="en-US" dirty="0">
+                <a:solidFill>
+                  <a:schemeClr val="tx1"/>
+                </a:solidFill>
+                <a:sym typeface="+mn-ea"/>
+              </a:rPr>
+              <a:t> – </a:t>
+            </a:r>
+            <a:r>
+              <a:rPr lang="en-US" altLang="en-US" dirty="0">
+                <a:solidFill>
+                  <a:schemeClr val="tx1"/>
+                </a:solidFill>
+              </a:rPr>
+              <a:t> Касир, Admin </a:t>
+            </a:r>
+            <a:r>
+              <a:rPr lang="en-US" dirty="0">
+                <a:solidFill>
+                  <a:schemeClr val="tx1"/>
+                </a:solidFill>
+                <a:sym typeface="+mn-ea"/>
+              </a:rPr>
+              <a:t> – </a:t>
+            </a:r>
+            <a:r>
+              <a:rPr lang="en-US" altLang="en-US" dirty="0">
+                <a:solidFill>
+                  <a:schemeClr val="tx1"/>
+                </a:solidFill>
+              </a:rPr>
+              <a:t> Управління).</a:t>
+            </a:r>
+            <a:endParaRPr lang="en-US" altLang="en-US" dirty="0">
               <a:solidFill>
                 <a:schemeClr val="tx1"/>
               </a:solidFill>
@@ -5587,96 +5719,547 @@
               <a:buChar char="•"/>
             </a:pPr>
             <a:r>
-              <a:rPr lang="uk-UA" dirty="0">
-                <a:solidFill>
-                  <a:schemeClr val="tx1"/>
-                </a:solidFill>
-              </a:rPr>
-              <a:t>	</a:t>
-            </a:r>
-            <a:r>
-              <a:rPr lang="en-US" dirty="0" err="1">
-                <a:solidFill>
-                  <a:schemeClr val="tx1"/>
-                </a:solidFill>
-              </a:rPr>
-              <a:t>IPrintable</a:t>
+              <a:rPr lang="en-US" altLang="en-US" dirty="0">
+                <a:solidFill>
+                  <a:schemeClr val="tx1"/>
+                </a:solidFill>
+              </a:rPr>
+              <a:t>AuthManager </a:t>
             </a:r>
             <a:r>
               <a:rPr lang="en-US" dirty="0">
                 <a:solidFill>
                   <a:schemeClr val="tx1"/>
                 </a:solidFill>
+                <a:sym typeface="+mn-ea"/>
               </a:rPr>
               <a:t> – </a:t>
             </a:r>
             <a:r>
-              <a:rPr lang="uk-UA" dirty="0">
-                <a:solidFill>
-                  <a:schemeClr val="tx1"/>
-                </a:solidFill>
-              </a:rPr>
-              <a:t>клас інтерфейс всі класи що наслідують його </a:t>
-            </a:r>
-            <a:r>
-              <a:rPr lang="uk-UA" dirty="0" err="1">
-                <a:solidFill>
-                  <a:schemeClr val="tx1"/>
-                </a:solidFill>
-              </a:rPr>
-              <a:t>зообовязанні</a:t>
-            </a:r>
-            <a:r>
-              <a:rPr lang="uk-UA" dirty="0">
-                <a:solidFill>
-                  <a:schemeClr val="tx1"/>
-                </a:solidFill>
-              </a:rPr>
-              <a:t> представити реалізацію методів </a:t>
-            </a:r>
-            <a:r>
-              <a:rPr lang="en-US" dirty="0">
-                <a:solidFill>
-                  <a:schemeClr val="tx1"/>
-                </a:solidFill>
-              </a:rPr>
-              <a:t>Print() and </a:t>
-            </a:r>
-            <a:r>
-              <a:rPr lang="en-US" dirty="0" err="1">
-                <a:solidFill>
-                  <a:schemeClr val="tx1"/>
-                </a:solidFill>
-              </a:rPr>
-              <a:t>ToCSV</a:t>
-            </a:r>
-            <a:r>
-              <a:rPr lang="en-US" dirty="0">
-                <a:solidFill>
-                  <a:schemeClr val="tx1"/>
-                </a:solidFill>
-              </a:rPr>
-              <a:t>().</a:t>
-            </a:r>
-            <a:endParaRPr lang="en-US" dirty="0">
+              <a:rPr lang="uk-UA" altLang="en-US" dirty="0">
+                <a:solidFill>
+                  <a:schemeClr val="tx1"/>
+                </a:solidFill>
+                <a:sym typeface="+mn-ea"/>
+              </a:rPr>
+              <a:t>у</a:t>
+            </a:r>
+            <a:r>
+              <a:rPr lang="en-US" altLang="en-US" dirty="0">
+                <a:solidFill>
+                  <a:schemeClr val="tx1"/>
+                </a:solidFill>
+              </a:rPr>
+              <a:t>правління авторизацією</a:t>
+            </a:r>
+            <a:r>
+              <a:rPr lang="uk-UA" altLang="en-US" dirty="0">
+                <a:solidFill>
+                  <a:schemeClr val="tx1"/>
+                </a:solidFill>
+              </a:rPr>
+              <a:t>,</a:t>
+            </a:r>
+            <a:r>
+              <a:rPr lang="en-US" altLang="en-US" dirty="0">
+                <a:solidFill>
+                  <a:schemeClr val="tx1"/>
+                </a:solidFill>
+              </a:rPr>
+              <a:t> </a:t>
+            </a:r>
+            <a:r>
+              <a:rPr lang="uk-UA" altLang="en-US" dirty="0">
+                <a:solidFill>
+                  <a:schemeClr val="tx1"/>
+                </a:solidFill>
+              </a:rPr>
+              <a:t>к</a:t>
+            </a:r>
+            <a:r>
+              <a:rPr lang="en-US" altLang="en-US" dirty="0">
+                <a:solidFill>
+                  <a:schemeClr val="tx1"/>
+                </a:solidFill>
+              </a:rPr>
+              <a:t>ерує процесом входу, перевіряє облікові дані та визначає права доступу користувача.</a:t>
+            </a:r>
+            <a:endParaRPr lang="en-US" altLang="en-US" dirty="0">
               <a:solidFill>
                 <a:schemeClr val="tx1"/>
               </a:solidFill>
             </a:endParaRPr>
           </a:p>
           <a:p>
-            <a:pPr algn="l"/>
-            <a:br>
-              <a:rPr lang="ru-RU" dirty="0">
-                <a:solidFill>
-                  <a:schemeClr val="tx1"/>
-                </a:solidFill>
-              </a:rPr>
-            </a:br>
-            <a:endParaRPr lang="ru-RU" dirty="0">
+            <a:pPr marL="457200" lvl="0" indent="-457200" algn="l">
+              <a:buFont typeface="Arial" panose="020B0604020202020204" pitchFamily="34" charset="0"/>
+              <a:buChar char="•"/>
+            </a:pPr>
+            <a:r>
+              <a:rPr lang="en-US" altLang="en-US" dirty="0">
+                <a:solidFill>
+                  <a:schemeClr val="tx1"/>
+                </a:solidFill>
+              </a:rPr>
+              <a:t>Receipt</a:t>
+            </a:r>
+            <a:r>
+              <a:rPr lang="uk-UA" altLang="en-US" dirty="0">
+                <a:solidFill>
+                  <a:schemeClr val="tx1"/>
+                </a:solidFill>
+              </a:rPr>
+              <a:t> </a:t>
+            </a:r>
+            <a:r>
+              <a:rPr lang="en-US" dirty="0">
+                <a:solidFill>
+                  <a:schemeClr val="tx1"/>
+                </a:solidFill>
+                <a:sym typeface="+mn-ea"/>
+              </a:rPr>
+              <a:t> –</a:t>
+            </a:r>
+            <a:r>
+              <a:rPr lang="uk-UA" altLang="en-US" dirty="0">
+                <a:solidFill>
+                  <a:schemeClr val="tx1"/>
+                </a:solidFill>
+                <a:sym typeface="+mn-ea"/>
+              </a:rPr>
+              <a:t> ф</a:t>
+            </a:r>
+            <a:r>
+              <a:rPr lang="en-US" altLang="en-US" dirty="0">
+                <a:solidFill>
+                  <a:schemeClr val="tx1"/>
+                </a:solidFill>
+                <a:sym typeface="+mn-ea"/>
+              </a:rPr>
+              <a:t>іскальний чек / Квитанція</a:t>
+            </a:r>
+            <a:r>
+              <a:rPr lang="uk-UA" altLang="en-US" dirty="0">
+                <a:solidFill>
+                  <a:schemeClr val="tx1"/>
+                </a:solidFill>
+                <a:sym typeface="+mn-ea"/>
+              </a:rPr>
+              <a:t>,</a:t>
+            </a:r>
+            <a:r>
+              <a:rPr lang="en-US" altLang="en-US" dirty="0">
+                <a:solidFill>
+                  <a:schemeClr val="tx1"/>
+                </a:solidFill>
+                <a:sym typeface="+mn-ea"/>
+              </a:rPr>
+              <a:t> </a:t>
+            </a:r>
+            <a:r>
+              <a:rPr lang="uk-UA" altLang="en-US" dirty="0">
+                <a:solidFill>
+                  <a:schemeClr val="tx1"/>
+                </a:solidFill>
+                <a:sym typeface="+mn-ea"/>
+              </a:rPr>
+              <a:t>к</a:t>
+            </a:r>
+            <a:r>
+              <a:rPr lang="en-US" altLang="en-US" dirty="0">
+                <a:solidFill>
+                  <a:schemeClr val="tx1"/>
+                </a:solidFill>
+                <a:sym typeface="+mn-ea"/>
+              </a:rPr>
+              <a:t>лас для моделювання одиниці продажу (транзакції) та фіксації куплених товарів.</a:t>
+            </a:r>
+            <a:endParaRPr lang="en-US" altLang="en-US" dirty="0">
               <a:solidFill>
                 <a:schemeClr val="tx1"/>
               </a:solidFill>
+              <a:sym typeface="+mn-ea"/>
+            </a:endParaRPr>
+          </a:p>
+          <a:p>
+            <a:pPr marL="457200" lvl="0" indent="-457200" algn="l">
+              <a:buFont typeface="Arial" panose="020B0604020202020204" pitchFamily="34" charset="0"/>
+              <a:buChar char="•"/>
+            </a:pPr>
+            <a:r>
+              <a:rPr lang="en-US" altLang="en-US" dirty="0">
+                <a:solidFill>
+                  <a:schemeClr val="tx1"/>
+                </a:solidFill>
+                <a:sym typeface="+mn-ea"/>
+              </a:rPr>
+              <a:t>SaleProcessor</a:t>
+            </a:r>
+            <a:r>
+              <a:rPr lang="uk-UA" altLang="en-US" dirty="0">
+                <a:solidFill>
+                  <a:schemeClr val="tx1"/>
+                </a:solidFill>
+                <a:sym typeface="+mn-ea"/>
+              </a:rPr>
+              <a:t> </a:t>
+            </a:r>
+            <a:r>
+              <a:rPr lang="en-US" dirty="0">
+                <a:solidFill>
+                  <a:schemeClr val="tx1"/>
+                </a:solidFill>
+                <a:sym typeface="+mn-ea"/>
+              </a:rPr>
+              <a:t>–</a:t>
+            </a:r>
+            <a:r>
+              <a:rPr lang="uk-UA" altLang="en-US" dirty="0">
+                <a:solidFill>
+                  <a:schemeClr val="tx1"/>
+                </a:solidFill>
+                <a:sym typeface="+mn-ea"/>
+              </a:rPr>
+              <a:t> </a:t>
+            </a:r>
+            <a:r>
+              <a:rPr lang="en-US" altLang="en-US" dirty="0">
+                <a:solidFill>
+                  <a:schemeClr val="tx1"/>
+                </a:solidFill>
+                <a:sym typeface="+mn-ea"/>
+              </a:rPr>
+              <a:t>Обробка продажів</a:t>
+            </a:r>
+            <a:r>
+              <a:rPr lang="uk-UA" altLang="en-US" dirty="0">
+                <a:solidFill>
+                  <a:schemeClr val="tx1"/>
+                </a:solidFill>
+                <a:sym typeface="+mn-ea"/>
+              </a:rPr>
+              <a:t>,</a:t>
+            </a:r>
+            <a:r>
+              <a:rPr lang="en-US" altLang="en-US" dirty="0">
+                <a:solidFill>
+                  <a:schemeClr val="tx1"/>
+                </a:solidFill>
+                <a:sym typeface="+mn-ea"/>
+              </a:rPr>
+              <a:t> </a:t>
+            </a:r>
+            <a:r>
+              <a:rPr lang="uk-UA" altLang="en-US" dirty="0">
+                <a:solidFill>
+                  <a:schemeClr val="tx1"/>
+                </a:solidFill>
+                <a:sym typeface="+mn-ea"/>
+              </a:rPr>
+              <a:t>м</a:t>
+            </a:r>
+            <a:r>
+              <a:rPr lang="en-US" altLang="en-US" dirty="0">
+                <a:solidFill>
+                  <a:schemeClr val="tx1"/>
+                </a:solidFill>
+                <a:sym typeface="+mn-ea"/>
+              </a:rPr>
+              <a:t>істить логіку оформлення покупки (продажу) та керує створенням об'єктів Receipt</a:t>
+            </a:r>
+            <a:r>
+              <a:rPr lang="uk-UA" altLang="en-US" dirty="0">
+                <a:solidFill>
+                  <a:schemeClr val="tx1"/>
+                </a:solidFill>
+                <a:sym typeface="+mn-ea"/>
+              </a:rPr>
+              <a:t>.</a:t>
+            </a:r>
+            <a:endParaRPr lang="en-US" altLang="en-US" dirty="0">
+              <a:solidFill>
+                <a:schemeClr val="tx1"/>
+              </a:solidFill>
+              <a:sym typeface="+mn-ea"/>
+            </a:endParaRPr>
+          </a:p>
+          <a:p>
+            <a:pPr marL="457200" lvl="0" indent="-457200" algn="l">
+              <a:buFont typeface="Arial" panose="020B0604020202020204" pitchFamily="34" charset="0"/>
+              <a:buChar char="•"/>
+            </a:pPr>
+            <a:r>
+              <a:rPr lang="en-US" altLang="en-US" dirty="0">
+                <a:solidFill>
+                  <a:schemeClr val="tx1"/>
+                </a:solidFill>
+                <a:sym typeface="+mn-ea"/>
+              </a:rPr>
+              <a:t>Logger</a:t>
+            </a:r>
+            <a:r>
+              <a:rPr lang="uk-UA" altLang="en-US" dirty="0">
+                <a:solidFill>
+                  <a:schemeClr val="tx1"/>
+                </a:solidFill>
+                <a:sym typeface="+mn-ea"/>
+              </a:rPr>
+              <a:t> </a:t>
+            </a:r>
+            <a:r>
+              <a:rPr lang="en-US" dirty="0">
+                <a:solidFill>
+                  <a:schemeClr val="tx1"/>
+                </a:solidFill>
+                <a:sym typeface="+mn-ea"/>
+              </a:rPr>
+              <a:t> –</a:t>
+            </a:r>
+            <a:r>
+              <a:rPr lang="uk-UA" altLang="en-US" dirty="0">
+                <a:solidFill>
+                  <a:schemeClr val="tx1"/>
+                </a:solidFill>
+                <a:sym typeface="+mn-ea"/>
+              </a:rPr>
+              <a:t> </a:t>
+            </a:r>
+            <a:r>
+              <a:rPr lang="en-US" altLang="en-US" dirty="0">
+                <a:solidFill>
+                  <a:schemeClr val="tx1"/>
+                </a:solidFill>
+                <a:sym typeface="+mn-ea"/>
+              </a:rPr>
+              <a:t>Журналювання подій</a:t>
+            </a:r>
+            <a:r>
+              <a:rPr lang="uk-UA" altLang="en-US" dirty="0">
+                <a:solidFill>
+                  <a:schemeClr val="tx1"/>
+                </a:solidFill>
+                <a:sym typeface="+mn-ea"/>
+              </a:rPr>
+              <a:t>, в</a:t>
+            </a:r>
+            <a:r>
+              <a:rPr lang="en-US" altLang="en-US" dirty="0">
+                <a:solidFill>
+                  <a:schemeClr val="tx1"/>
+                </a:solidFill>
+                <a:sym typeface="+mn-ea"/>
+              </a:rPr>
+              <a:t>икористовується для запису важливих операцій або помилок програми</a:t>
+            </a:r>
+            <a:r>
+              <a:rPr lang="uk-UA" altLang="en-US" dirty="0">
+                <a:solidFill>
+                  <a:schemeClr val="tx1"/>
+                </a:solidFill>
+                <a:sym typeface="+mn-ea"/>
+              </a:rPr>
+              <a:t>.</a:t>
+            </a:r>
+            <a:endParaRPr lang="uk-UA" altLang="en-US" dirty="0">
+              <a:solidFill>
+                <a:schemeClr val="tx1"/>
+              </a:solidFill>
+              <a:sym typeface="+mn-ea"/>
+            </a:endParaRPr>
+          </a:p>
+          <a:p>
+            <a:pPr marL="457200" lvl="0" indent="-457200" algn="l">
+              <a:buFont typeface="Arial" panose="020B0604020202020204" pitchFamily="34" charset="0"/>
+              <a:buChar char="•"/>
+            </a:pPr>
+            <a:r>
+              <a:rPr lang="en-US" altLang="en-US" dirty="0">
+                <a:solidFill>
+                  <a:schemeClr val="tx1"/>
+                </a:solidFill>
+                <a:sym typeface="+mn-ea"/>
+              </a:rPr>
+              <a:t>Configuration</a:t>
+            </a:r>
+            <a:r>
+              <a:rPr lang="uk-UA" altLang="en-US" dirty="0">
+                <a:solidFill>
+                  <a:schemeClr val="tx1"/>
+                </a:solidFill>
+                <a:sym typeface="+mn-ea"/>
+              </a:rPr>
+              <a:t> </a:t>
+            </a:r>
+            <a:r>
+              <a:rPr lang="en-US" dirty="0">
+                <a:solidFill>
+                  <a:schemeClr val="tx1"/>
+                </a:solidFill>
+                <a:sym typeface="+mn-ea"/>
+              </a:rPr>
+              <a:t> –</a:t>
+            </a:r>
+            <a:r>
+              <a:rPr lang="uk-UA" altLang="en-US" dirty="0">
+                <a:solidFill>
+                  <a:schemeClr val="tx1"/>
+                </a:solidFill>
+                <a:sym typeface="+mn-ea"/>
+              </a:rPr>
+              <a:t> </a:t>
+            </a:r>
+            <a:r>
+              <a:rPr lang="en-US" altLang="en-US" dirty="0">
+                <a:solidFill>
+                  <a:schemeClr val="tx1"/>
+                </a:solidFill>
+                <a:sym typeface="+mn-ea"/>
+              </a:rPr>
+              <a:t>Налаштування програми</a:t>
+            </a:r>
+            <a:r>
+              <a:rPr lang="uk-UA" altLang="en-US" dirty="0">
+                <a:solidFill>
+                  <a:schemeClr val="tx1"/>
+                </a:solidFill>
+                <a:sym typeface="+mn-ea"/>
+              </a:rPr>
+              <a:t>,</a:t>
+            </a:r>
+            <a:r>
+              <a:rPr lang="en-US" altLang="en-US" dirty="0">
+                <a:solidFill>
+                  <a:schemeClr val="tx1"/>
+                </a:solidFill>
+                <a:sym typeface="+mn-ea"/>
+              </a:rPr>
+              <a:t> </a:t>
+            </a:r>
+            <a:r>
+              <a:rPr lang="uk-UA" altLang="en-US" dirty="0">
+                <a:solidFill>
+                  <a:schemeClr val="tx1"/>
+                </a:solidFill>
+                <a:sym typeface="+mn-ea"/>
+              </a:rPr>
+              <a:t>м</a:t>
+            </a:r>
+            <a:r>
+              <a:rPr lang="en-US" altLang="en-US" dirty="0">
+                <a:solidFill>
+                  <a:schemeClr val="tx1"/>
+                </a:solidFill>
+                <a:sym typeface="+mn-ea"/>
+              </a:rPr>
+              <a:t>істить конфігураційні параметри, які можуть бути універсальними для Windows та Linux</a:t>
+            </a:r>
+            <a:r>
+              <a:rPr lang="uk-UA" altLang="en-US" dirty="0">
+                <a:solidFill>
+                  <a:schemeClr val="tx1"/>
+                </a:solidFill>
+                <a:sym typeface="+mn-ea"/>
+              </a:rPr>
+              <a:t>.</a:t>
+            </a:r>
+            <a:endParaRPr lang="uk-UA" altLang="en-US" dirty="0">
+              <a:solidFill>
+                <a:schemeClr val="tx1"/>
+              </a:solidFill>
+              <a:sym typeface="+mn-ea"/>
+            </a:endParaRPr>
+          </a:p>
+          <a:p>
+            <a:pPr marL="457200" lvl="0" indent="-457200" algn="l">
+              <a:buFont typeface="Arial" panose="020B0604020202020204" pitchFamily="34" charset="0"/>
+              <a:buChar char="•"/>
+            </a:pPr>
+            <a:r>
+              <a:rPr lang="en-US" altLang="en-US" dirty="0">
+                <a:solidFill>
+                  <a:schemeClr val="tx1"/>
+                </a:solidFill>
+                <a:sym typeface="+mn-ea"/>
+              </a:rPr>
+              <a:t>main.cpp</a:t>
+            </a:r>
+            <a:r>
+              <a:rPr lang="uk-UA" altLang="en-US" dirty="0">
+                <a:solidFill>
+                  <a:schemeClr val="tx1"/>
+                </a:solidFill>
+                <a:sym typeface="+mn-ea"/>
+              </a:rPr>
+              <a:t> </a:t>
+            </a:r>
+            <a:r>
+              <a:rPr lang="en-US" dirty="0">
+                <a:solidFill>
+                  <a:schemeClr val="tx1"/>
+                </a:solidFill>
+                <a:sym typeface="+mn-ea"/>
+              </a:rPr>
+              <a:t>–</a:t>
+            </a:r>
+            <a:r>
+              <a:rPr lang="uk-UA" altLang="en-US" dirty="0">
+                <a:solidFill>
+                  <a:schemeClr val="tx1"/>
+                </a:solidFill>
+                <a:sym typeface="+mn-ea"/>
+              </a:rPr>
+              <a:t> </a:t>
+            </a:r>
+            <a:r>
+              <a:rPr lang="en-US" altLang="en-US" dirty="0">
+                <a:solidFill>
+                  <a:schemeClr val="tx1"/>
+                </a:solidFill>
+                <a:sym typeface="+mn-ea"/>
+              </a:rPr>
+              <a:t>Точка входу</a:t>
+            </a:r>
+            <a:r>
+              <a:rPr lang="uk-UA" altLang="en-US" dirty="0">
+                <a:solidFill>
+                  <a:schemeClr val="tx1"/>
+                </a:solidFill>
+                <a:sym typeface="+mn-ea"/>
+              </a:rPr>
+              <a:t>,</a:t>
+            </a:r>
+            <a:r>
+              <a:rPr lang="en-US" altLang="en-US" dirty="0">
+                <a:solidFill>
+                  <a:schemeClr val="tx1"/>
+                </a:solidFill>
+                <a:sym typeface="+mn-ea"/>
+              </a:rPr>
+              <a:t> </a:t>
+            </a:r>
+            <a:r>
+              <a:rPr lang="uk-UA" altLang="en-US" dirty="0">
+                <a:solidFill>
+                  <a:schemeClr val="tx1"/>
+                </a:solidFill>
+                <a:sym typeface="+mn-ea"/>
+              </a:rPr>
+              <a:t>і</a:t>
+            </a:r>
+            <a:r>
+              <a:rPr lang="en-US" altLang="en-US" dirty="0">
+                <a:solidFill>
+                  <a:schemeClr val="tx1"/>
+                </a:solidFill>
+                <a:sym typeface="+mn-ea"/>
+              </a:rPr>
+              <a:t>ніціалізує програму, завантажує дані, запускає головне меню та обробляє цикл роботи.</a:t>
+            </a:r>
+            <a:endParaRPr lang="en-US" altLang="en-US" dirty="0">
+              <a:solidFill>
+                <a:schemeClr val="tx1"/>
+              </a:solidFill>
+              <a:sym typeface="+mn-ea"/>
             </a:endParaRPr>
           </a:p>
         </p:txBody>
